--- a/Fall_2017/work/devonbodey/p4/FinalProjectProposal.pptx
+++ b/Fall_2017/work/devonbodey/p4/FinalProjectProposal.pptx
@@ -109,6 +109,11 @@
       </a:defRPr>
     </a:lvl9pPr>
   </p:defaultTextStyle>
+  <p:extLst>
+    <p:ext uri="{EFAFB233-063F-42B5-8137-9DF3F51BA10A}">
+      <p15:sldGuideLst xmlns:p15="http://schemas.microsoft.com/office/powerpoint/2012/main"/>
+    </p:ext>
+  </p:extLst>
 </p:presentation>
 </file>
 
@@ -338,7 +343,7 @@
           <a:p>
             <a:fld id="{5DEB2C13-7F90-494F-AA33-9499028E7AAA}" type="datetimeFigureOut">
               <a:rPr lang="en-US" smtClean="0"/>
-              <a:t>11/1/17</a:t>
+              <a:t>12/19/17</a:t>
             </a:fld>
             <a:endParaRPr lang="en-US"/>
           </a:p>
@@ -551,7 +556,7 @@
           <a:p>
             <a:fld id="{5DEB2C13-7F90-494F-AA33-9499028E7AAA}" type="datetimeFigureOut">
               <a:rPr lang="en-US" smtClean="0"/>
-              <a:t>11/1/17</a:t>
+              <a:t>12/19/17</a:t>
             </a:fld>
             <a:endParaRPr lang="en-US"/>
           </a:p>
@@ -807,7 +812,7 @@
           <a:p>
             <a:fld id="{5DEB2C13-7F90-494F-AA33-9499028E7AAA}" type="datetimeFigureOut">
               <a:rPr lang="en-US" smtClean="0"/>
-              <a:t>11/1/17</a:t>
+              <a:t>12/19/17</a:t>
             </a:fld>
             <a:endParaRPr lang="en-US"/>
           </a:p>
@@ -982,7 +987,7 @@
           <a:p>
             <a:fld id="{5DEB2C13-7F90-494F-AA33-9499028E7AAA}" type="datetimeFigureOut">
               <a:rPr lang="en-US" smtClean="0"/>
-              <a:t>11/1/17</a:t>
+              <a:t>12/19/17</a:t>
             </a:fld>
             <a:endParaRPr lang="en-US"/>
           </a:p>
@@ -1325,7 +1330,7 @@
           <a:p>
             <a:fld id="{5DEB2C13-7F90-494F-AA33-9499028E7AAA}" type="datetimeFigureOut">
               <a:rPr lang="en-US" smtClean="0"/>
-              <a:t>11/1/17</a:t>
+              <a:t>12/19/17</a:t>
             </a:fld>
             <a:endParaRPr lang="en-US"/>
           </a:p>
@@ -1605,7 +1610,7 @@
           <a:p>
             <a:fld id="{5DEB2C13-7F90-494F-AA33-9499028E7AAA}" type="datetimeFigureOut">
               <a:rPr lang="en-US" smtClean="0"/>
-              <a:t>11/1/17</a:t>
+              <a:t>12/19/17</a:t>
             </a:fld>
             <a:endParaRPr lang="en-US"/>
           </a:p>
@@ -1984,7 +1989,7 @@
           <a:p>
             <a:fld id="{5DEB2C13-7F90-494F-AA33-9499028E7AAA}" type="datetimeFigureOut">
               <a:rPr lang="en-US" smtClean="0"/>
-              <a:t>11/1/17</a:t>
+              <a:t>12/19/17</a:t>
             </a:fld>
             <a:endParaRPr lang="en-US"/>
           </a:p>
@@ -2102,7 +2107,7 @@
           <a:p>
             <a:fld id="{5DEB2C13-7F90-494F-AA33-9499028E7AAA}" type="datetimeFigureOut">
               <a:rPr lang="en-US" smtClean="0"/>
-              <a:t>11/1/17</a:t>
+              <a:t>12/19/17</a:t>
             </a:fld>
             <a:endParaRPr lang="en-US"/>
           </a:p>
@@ -2273,7 +2278,7 @@
           <a:p>
             <a:fld id="{5DEB2C13-7F90-494F-AA33-9499028E7AAA}" type="datetimeFigureOut">
               <a:rPr lang="en-US" smtClean="0"/>
-              <a:t>11/1/17</a:t>
+              <a:t>12/19/17</a:t>
             </a:fld>
             <a:endParaRPr lang="en-US"/>
           </a:p>
@@ -2627,7 +2632,7 @@
           <a:p>
             <a:fld id="{5DEB2C13-7F90-494F-AA33-9499028E7AAA}" type="datetimeFigureOut">
               <a:rPr lang="en-US" smtClean="0"/>
-              <a:t>11/1/17</a:t>
+              <a:t>12/19/17</a:t>
             </a:fld>
             <a:endParaRPr lang="en-US"/>
           </a:p>
@@ -3004,7 +3009,7 @@
           <a:p>
             <a:fld id="{5DEB2C13-7F90-494F-AA33-9499028E7AAA}" type="datetimeFigureOut">
               <a:rPr lang="en-US" smtClean="0"/>
-              <a:t>11/1/17</a:t>
+              <a:t>12/19/17</a:t>
             </a:fld>
             <a:endParaRPr lang="en-US"/>
           </a:p>
@@ -3296,7 +3301,7 @@
           <a:p>
             <a:fld id="{5DEB2C13-7F90-494F-AA33-9499028E7AAA}" type="datetimeFigureOut">
               <a:rPr lang="en-US" smtClean="0"/>
-              <a:t>11/1/17</a:t>
+              <a:t>12/19/17</a:t>
             </a:fld>
             <a:endParaRPr lang="en-US"/>
           </a:p>
@@ -3999,7 +4004,7 @@
         <p:spPr>
           <a:xfrm>
             <a:off x="1097280" y="2664307"/>
-            <a:ext cx="6474173" cy="2246769"/>
+            <a:ext cx="6474173" cy="2554545"/>
           </a:xfrm>
           <a:prstGeom prst="rect">
             <a:avLst/>
@@ -4093,7 +4098,11 @@
             </a:pPr>
             <a:r>
               <a:rPr lang="en-US" sz="2000" dirty="0" smtClean="0"/>
-              <a:t>Practice Areas: personal injury, insurance defense</a:t>
+              <a:t>Practice Areas: personal injury, insurance </a:t>
+            </a:r>
+            <a:r>
+              <a:rPr lang="en-US" sz="2000" dirty="0" smtClean="0"/>
+              <a:t>defense, family law</a:t>
             </a:r>
             <a:endParaRPr lang="en-US" sz="2000" dirty="0"/>
           </a:p>
@@ -4466,8 +4475,21 @@
                   <a:schemeClr val="tx1"/>
                 </a:solidFill>
               </a:rPr>
-              <a:t>Draft templates for Connecticut and other popular states in which the firm conducts business.</a:t>
-            </a:r>
+              <a:t>Draft templates for Connecticut and other popular states in which the firm conducts </a:t>
+            </a:r>
+            <a:r>
+              <a:rPr lang="en-US" sz="2000" dirty="0" smtClean="0">
+                <a:solidFill>
+                  <a:schemeClr val="tx1"/>
+                </a:solidFill>
+              </a:rPr>
+              <a:t>business such as Massachusetts.</a:t>
+            </a:r>
+            <a:endParaRPr lang="en-US" sz="2000" dirty="0" smtClean="0">
+              <a:solidFill>
+                <a:schemeClr val="tx1"/>
+              </a:solidFill>
+            </a:endParaRPr>
           </a:p>
           <a:p>
             <a:pPr marL="285750" lvl="1" indent="-285750">
@@ -4952,8 +4974,29 @@
                   <a:schemeClr val="tx1"/>
                 </a:solidFill>
               </a:rPr>
-              <a:t>Office Staff</a:t>
-            </a:r>
+              <a:t>Office </a:t>
+            </a:r>
+            <a:r>
+              <a:rPr lang="en-US" dirty="0" smtClean="0">
+                <a:solidFill>
+                  <a:schemeClr val="tx1"/>
+                </a:solidFill>
+              </a:rPr>
+              <a:t>Staff (e.g., law clerks</a:t>
+            </a:r>
+            <a:r>
+              <a:rPr lang="en-US" smtClean="0">
+                <a:solidFill>
+                  <a:schemeClr val="tx1"/>
+                </a:solidFill>
+              </a:rPr>
+              <a:t>, paralegals)</a:t>
+            </a:r>
+            <a:endParaRPr lang="en-US" dirty="0" smtClean="0">
+              <a:solidFill>
+                <a:schemeClr val="tx1"/>
+              </a:solidFill>
+            </a:endParaRPr>
           </a:p>
           <a:p>
             <a:pPr>
